--- a/Design Log/DJ deck.pptx
+++ b/Design Log/DJ deck.pptx
@@ -5,7 +5,7 @@
     <p:sldMasterId id="2147483648" r:id="rId1"/>
   </p:sldMasterIdLst>
   <p:notesMasterIdLst>
-    <p:notesMasterId r:id="rId25"/>
+    <p:notesMasterId r:id="rId27"/>
   </p:notesMasterIdLst>
   <p:sldIdLst>
     <p:sldId id="256" r:id="rId2"/>
@@ -31,6 +31,8 @@
     <p:sldId id="276" r:id="rId22"/>
     <p:sldId id="277" r:id="rId23"/>
     <p:sldId id="278" r:id="rId24"/>
+    <p:sldId id="279" r:id="rId25"/>
+    <p:sldId id="280" r:id="rId26"/>
   </p:sldIdLst>
   <p:sldSz cx="12192000" cy="6858000"/>
   <p:notesSz cx="6858000" cy="9144000"/>
@@ -219,7 +221,7 @@
           <a:p>
             <a:fld id="{F2131A79-E1C2-43E2-88BB-991A587CF34B}" type="datetimeFigureOut">
               <a:rPr lang="nl-NL" smtClean="0"/>
-              <a:t>22-3-2025</a:t>
+              <a:t>22-4-2025</a:t>
             </a:fld>
             <a:endParaRPr lang="nl-NL"/>
           </a:p>
@@ -720,7 +722,7 @@
           <a:p>
             <a:fld id="{291A462F-E04C-4E22-938A-A0EF93E33BE5}" type="datetimeFigureOut">
               <a:rPr lang="nl-NL" smtClean="0"/>
-              <a:t>22-3-2025</a:t>
+              <a:t>22-4-2025</a:t>
             </a:fld>
             <a:endParaRPr lang="nl-NL"/>
           </a:p>
@@ -920,7 +922,7 @@
           <a:p>
             <a:fld id="{291A462F-E04C-4E22-938A-A0EF93E33BE5}" type="datetimeFigureOut">
               <a:rPr lang="nl-NL" smtClean="0"/>
-              <a:t>22-3-2025</a:t>
+              <a:t>22-4-2025</a:t>
             </a:fld>
             <a:endParaRPr lang="nl-NL"/>
           </a:p>
@@ -1130,7 +1132,7 @@
           <a:p>
             <a:fld id="{291A462F-E04C-4E22-938A-A0EF93E33BE5}" type="datetimeFigureOut">
               <a:rPr lang="nl-NL" smtClean="0"/>
-              <a:t>22-3-2025</a:t>
+              <a:t>22-4-2025</a:t>
             </a:fld>
             <a:endParaRPr lang="nl-NL"/>
           </a:p>
@@ -1330,7 +1332,7 @@
           <a:p>
             <a:fld id="{291A462F-E04C-4E22-938A-A0EF93E33BE5}" type="datetimeFigureOut">
               <a:rPr lang="nl-NL" smtClean="0"/>
-              <a:t>22-3-2025</a:t>
+              <a:t>22-4-2025</a:t>
             </a:fld>
             <a:endParaRPr lang="nl-NL"/>
           </a:p>
@@ -1606,7 +1608,7 @@
           <a:p>
             <a:fld id="{291A462F-E04C-4E22-938A-A0EF93E33BE5}" type="datetimeFigureOut">
               <a:rPr lang="nl-NL" smtClean="0"/>
-              <a:t>22-3-2025</a:t>
+              <a:t>22-4-2025</a:t>
             </a:fld>
             <a:endParaRPr lang="nl-NL"/>
           </a:p>
@@ -1874,7 +1876,7 @@
           <a:p>
             <a:fld id="{291A462F-E04C-4E22-938A-A0EF93E33BE5}" type="datetimeFigureOut">
               <a:rPr lang="nl-NL" smtClean="0"/>
-              <a:t>22-3-2025</a:t>
+              <a:t>22-4-2025</a:t>
             </a:fld>
             <a:endParaRPr lang="nl-NL"/>
           </a:p>
@@ -2289,7 +2291,7 @@
           <a:p>
             <a:fld id="{291A462F-E04C-4E22-938A-A0EF93E33BE5}" type="datetimeFigureOut">
               <a:rPr lang="nl-NL" smtClean="0"/>
-              <a:t>22-3-2025</a:t>
+              <a:t>22-4-2025</a:t>
             </a:fld>
             <a:endParaRPr lang="nl-NL"/>
           </a:p>
@@ -2431,7 +2433,7 @@
           <a:p>
             <a:fld id="{291A462F-E04C-4E22-938A-A0EF93E33BE5}" type="datetimeFigureOut">
               <a:rPr lang="nl-NL" smtClean="0"/>
-              <a:t>22-3-2025</a:t>
+              <a:t>22-4-2025</a:t>
             </a:fld>
             <a:endParaRPr lang="nl-NL"/>
           </a:p>
@@ -2544,7 +2546,7 @@
           <a:p>
             <a:fld id="{291A462F-E04C-4E22-938A-A0EF93E33BE5}" type="datetimeFigureOut">
               <a:rPr lang="nl-NL" smtClean="0"/>
-              <a:t>22-3-2025</a:t>
+              <a:t>22-4-2025</a:t>
             </a:fld>
             <a:endParaRPr lang="nl-NL"/>
           </a:p>
@@ -2857,7 +2859,7 @@
           <a:p>
             <a:fld id="{291A462F-E04C-4E22-938A-A0EF93E33BE5}" type="datetimeFigureOut">
               <a:rPr lang="nl-NL" smtClean="0"/>
-              <a:t>22-3-2025</a:t>
+              <a:t>22-4-2025</a:t>
             </a:fld>
             <a:endParaRPr lang="nl-NL"/>
           </a:p>
@@ -3146,7 +3148,7 @@
           <a:p>
             <a:fld id="{291A462F-E04C-4E22-938A-A0EF93E33BE5}" type="datetimeFigureOut">
               <a:rPr lang="nl-NL" smtClean="0"/>
-              <a:t>22-3-2025</a:t>
+              <a:t>22-4-2025</a:t>
             </a:fld>
             <a:endParaRPr lang="nl-NL"/>
           </a:p>
@@ -3389,7 +3391,7 @@
           <a:p>
             <a:fld id="{291A462F-E04C-4E22-938A-A0EF93E33BE5}" type="datetimeFigureOut">
               <a:rPr lang="nl-NL" smtClean="0"/>
-              <a:t>22-3-2025</a:t>
+              <a:t>22-4-2025</a:t>
             </a:fld>
             <a:endParaRPr lang="nl-NL"/>
           </a:p>
@@ -11166,9 +11168,16 @@
             <p:ph idx="1"/>
           </p:nvPr>
         </p:nvSpPr>
-        <p:spPr/>
+        <p:spPr>
+          <a:xfrm>
+            <a:off x="838200" y="1825625"/>
+            <a:ext cx="10183368" cy="4351338"/>
+          </a:xfrm>
+        </p:spPr>
         <p:txBody>
-          <a:bodyPr/>
+          <a:bodyPr>
+            <a:normAutofit fontScale="92500" lnSpcReduction="10000"/>
+          </a:bodyPr>
           <a:lstStyle/>
           <a:p>
             <a:r>
@@ -11391,9 +11400,349 @@
           </a:p>
           <a:p>
             <a:r>
-              <a:rPr lang="nl-NL"/>
+              <a:rPr lang="nl-NL" dirty="0">
+                <a:hlinkClick r:id="rId2"/>
+              </a:rPr>
               <a:t>https://scsynth.org/t/imperfection-of-language-based-timing/350/10</a:t>
             </a:r>
+            <a:endParaRPr lang="nl-NL" dirty="0"/>
+          </a:p>
+          <a:p>
+            <a:pPr lvl="1"/>
+            <a:r>
+              <a:rPr lang="nl-NL" dirty="0"/>
+              <a:t>I </a:t>
+            </a:r>
+            <a:r>
+              <a:rPr lang="nl-NL" dirty="0" err="1"/>
+              <a:t>might</a:t>
+            </a:r>
+            <a:r>
+              <a:rPr lang="nl-NL" dirty="0"/>
+              <a:t> want </a:t>
+            </a:r>
+            <a:r>
+              <a:rPr lang="nl-NL" dirty="0" err="1"/>
+              <a:t>to</a:t>
+            </a:r>
+            <a:r>
+              <a:rPr lang="nl-NL" dirty="0"/>
+              <a:t> stop </a:t>
+            </a:r>
+            <a:r>
+              <a:rPr lang="nl-NL" dirty="0" err="1"/>
+              <a:t>using</a:t>
+            </a:r>
+            <a:r>
+              <a:rPr lang="nl-NL" dirty="0"/>
+              <a:t> </a:t>
+            </a:r>
+            <a:r>
+              <a:rPr lang="nl-NL" dirty="0" err="1"/>
+              <a:t>getSynchronous</a:t>
+            </a:r>
+            <a:r>
+              <a:rPr lang="nl-NL" dirty="0"/>
+              <a:t> </a:t>
+            </a:r>
+            <a:r>
+              <a:rPr lang="nl-NL" dirty="0" err="1"/>
+              <a:t>and</a:t>
+            </a:r>
+            <a:r>
+              <a:rPr lang="nl-NL" dirty="0"/>
+              <a:t> </a:t>
+            </a:r>
+            <a:r>
+              <a:rPr lang="nl-NL" dirty="0" err="1"/>
+              <a:t>instead</a:t>
+            </a:r>
+            <a:r>
+              <a:rPr lang="nl-NL" dirty="0"/>
+              <a:t> </a:t>
+            </a:r>
+            <a:r>
+              <a:rPr lang="nl-NL" dirty="0" err="1"/>
+              <a:t>use</a:t>
+            </a:r>
+            <a:r>
+              <a:rPr lang="nl-NL" dirty="0"/>
+              <a:t> proper OSC </a:t>
+            </a:r>
+            <a:r>
+              <a:rPr lang="nl-NL" dirty="0" err="1"/>
+              <a:t>bundles</a:t>
+            </a:r>
+            <a:r>
+              <a:rPr lang="nl-NL" dirty="0"/>
+              <a:t> </a:t>
+            </a:r>
+            <a:r>
+              <a:rPr lang="nl-NL" dirty="0" err="1"/>
+              <a:t>with</a:t>
+            </a:r>
+            <a:r>
+              <a:rPr lang="nl-NL" dirty="0"/>
+              <a:t> </a:t>
+            </a:r>
+            <a:r>
+              <a:rPr lang="nl-NL" dirty="0" err="1"/>
+              <a:t>timestamps</a:t>
+            </a:r>
+            <a:r>
+              <a:rPr lang="nl-NL" dirty="0"/>
+              <a:t>, but </a:t>
+            </a:r>
+            <a:r>
+              <a:rPr lang="nl-NL" dirty="0" err="1"/>
+              <a:t>for</a:t>
+            </a:r>
+            <a:r>
+              <a:rPr lang="nl-NL" dirty="0"/>
+              <a:t> </a:t>
+            </a:r>
+            <a:r>
+              <a:rPr lang="nl-NL" dirty="0" err="1"/>
+              <a:t>immediate</a:t>
+            </a:r>
+            <a:r>
+              <a:rPr lang="nl-NL" dirty="0"/>
+              <a:t> events </a:t>
+            </a:r>
+            <a:r>
+              <a:rPr lang="nl-NL" dirty="0" err="1"/>
+              <a:t>you</a:t>
+            </a:r>
+            <a:r>
+              <a:rPr lang="nl-NL" dirty="0"/>
+              <a:t> </a:t>
+            </a:r>
+            <a:r>
+              <a:rPr lang="nl-NL" dirty="0" err="1"/>
+              <a:t>don’t</a:t>
+            </a:r>
+            <a:r>
+              <a:rPr lang="nl-NL" dirty="0"/>
+              <a:t> want </a:t>
+            </a:r>
+            <a:r>
+              <a:rPr lang="nl-NL" dirty="0" err="1"/>
+              <a:t>scheduling</a:t>
+            </a:r>
+            <a:r>
+              <a:rPr lang="nl-NL" dirty="0"/>
+              <a:t> of OSC </a:t>
+            </a:r>
+            <a:r>
+              <a:rPr lang="nl-NL" dirty="0" err="1"/>
+              <a:t>bundle</a:t>
+            </a:r>
+            <a:r>
+              <a:rPr lang="nl-NL" dirty="0"/>
+              <a:t>, </a:t>
+            </a:r>
+            <a:r>
+              <a:rPr lang="nl-NL" dirty="0" err="1"/>
+              <a:t>instead</a:t>
+            </a:r>
+            <a:r>
+              <a:rPr lang="nl-NL" dirty="0"/>
+              <a:t> </a:t>
+            </a:r>
+            <a:r>
+              <a:rPr lang="nl-NL" dirty="0" err="1"/>
+              <a:t>you</a:t>
+            </a:r>
+            <a:r>
+              <a:rPr lang="nl-NL" dirty="0"/>
+              <a:t> want OSC </a:t>
+            </a:r>
+            <a:r>
+              <a:rPr lang="nl-NL" dirty="0" err="1"/>
+              <a:t>message</a:t>
+            </a:r>
+            <a:r>
+              <a:rPr lang="nl-NL" dirty="0"/>
+              <a:t>, </a:t>
+            </a:r>
+            <a:r>
+              <a:rPr lang="nl-NL" dirty="0" err="1"/>
+              <a:t>which</a:t>
+            </a:r>
+            <a:r>
+              <a:rPr lang="nl-NL" dirty="0"/>
+              <a:t> is </a:t>
+            </a:r>
+            <a:r>
+              <a:rPr lang="nl-NL" dirty="0" err="1"/>
+              <a:t>processed</a:t>
+            </a:r>
+            <a:r>
+              <a:rPr lang="nl-NL" dirty="0"/>
+              <a:t> as </a:t>
+            </a:r>
+            <a:r>
+              <a:rPr lang="nl-NL" dirty="0" err="1"/>
+              <a:t>fast</a:t>
+            </a:r>
+            <a:r>
+              <a:rPr lang="nl-NL" dirty="0"/>
+              <a:t> as </a:t>
+            </a:r>
+            <a:r>
+              <a:rPr lang="nl-NL" dirty="0" err="1"/>
+              <a:t>possible</a:t>
+            </a:r>
+            <a:r>
+              <a:rPr lang="nl-NL" dirty="0"/>
+              <a:t>, but I </a:t>
+            </a:r>
+            <a:r>
+              <a:rPr lang="nl-NL" dirty="0" err="1"/>
+              <a:t>think</a:t>
+            </a:r>
+            <a:r>
+              <a:rPr lang="nl-NL" dirty="0"/>
+              <a:t> </a:t>
+            </a:r>
+            <a:r>
+              <a:rPr lang="nl-NL" dirty="0" err="1"/>
+              <a:t>that</a:t>
+            </a:r>
+            <a:r>
+              <a:rPr lang="nl-NL" dirty="0"/>
+              <a:t> does </a:t>
+            </a:r>
+            <a:r>
+              <a:rPr lang="nl-NL" dirty="0" err="1"/>
+              <a:t>not</a:t>
+            </a:r>
+            <a:r>
+              <a:rPr lang="nl-NL" dirty="0"/>
+              <a:t> offer sample </a:t>
+            </a:r>
+            <a:r>
+              <a:rPr lang="nl-NL" dirty="0" err="1"/>
+              <a:t>accuracy</a:t>
+            </a:r>
+            <a:r>
+              <a:rPr lang="nl-NL" dirty="0"/>
+              <a:t>; </a:t>
+            </a:r>
+            <a:r>
+              <a:rPr lang="nl-NL" dirty="0" err="1"/>
+              <a:t>if</a:t>
+            </a:r>
+            <a:r>
+              <a:rPr lang="nl-NL" dirty="0"/>
+              <a:t> sample </a:t>
+            </a:r>
+            <a:r>
+              <a:rPr lang="nl-NL" dirty="0" err="1"/>
+              <a:t>accuracy</a:t>
+            </a:r>
+            <a:r>
+              <a:rPr lang="nl-NL" dirty="0"/>
+              <a:t> is </a:t>
+            </a:r>
+            <a:r>
+              <a:rPr lang="nl-NL" dirty="0" err="1"/>
+              <a:t>desired</a:t>
+            </a:r>
+            <a:r>
+              <a:rPr lang="nl-NL" dirty="0"/>
+              <a:t> I </a:t>
+            </a:r>
+            <a:r>
+              <a:rPr lang="nl-NL" dirty="0" err="1"/>
+              <a:t>should</a:t>
+            </a:r>
+            <a:r>
+              <a:rPr lang="nl-NL" dirty="0"/>
+              <a:t> run </a:t>
+            </a:r>
+            <a:r>
+              <a:rPr lang="nl-NL" dirty="0" err="1"/>
+              <a:t>some</a:t>
+            </a:r>
+            <a:r>
+              <a:rPr lang="nl-NL" dirty="0"/>
+              <a:t> </a:t>
+            </a:r>
+            <a:r>
+              <a:rPr lang="nl-NL" dirty="0" err="1"/>
+              <a:t>reference</a:t>
+            </a:r>
+            <a:r>
+              <a:rPr lang="nl-NL" dirty="0"/>
+              <a:t> </a:t>
+            </a:r>
+            <a:r>
+              <a:rPr lang="nl-NL" dirty="0" err="1"/>
+              <a:t>clock</a:t>
+            </a:r>
+            <a:r>
+              <a:rPr lang="nl-NL" dirty="0"/>
+              <a:t> on </a:t>
+            </a:r>
+            <a:r>
+              <a:rPr lang="nl-NL" dirty="0" err="1"/>
+              <a:t>the</a:t>
+            </a:r>
+            <a:r>
+              <a:rPr lang="nl-NL" dirty="0"/>
+              <a:t> server..</a:t>
+            </a:r>
+          </a:p>
+        </p:txBody>
+      </p:sp>
+      <p:sp>
+        <p:nvSpPr>
+          <p:cNvPr id="4" name="Rectangle: Rounded Corners 3">
+            <a:extLst>
+              <a:ext uri="{FF2B5EF4-FFF2-40B4-BE49-F238E27FC236}">
+                <a16:creationId xmlns:a16="http://schemas.microsoft.com/office/drawing/2014/main" id="{E9796463-CBCC-507D-A555-99F06098EA86}"/>
+              </a:ext>
+            </a:extLst>
+          </p:cNvPr>
+          <p:cNvSpPr/>
+          <p:nvPr/>
+        </p:nvSpPr>
+        <p:spPr>
+          <a:xfrm>
+            <a:off x="11021568" y="4034695"/>
+            <a:ext cx="1170432" cy="979043"/>
+          </a:xfrm>
+          <a:prstGeom prst="roundRect">
+            <a:avLst/>
+          </a:prstGeom>
+        </p:spPr>
+        <p:style>
+          <a:lnRef idx="2">
+            <a:schemeClr val="accent2">
+              <a:shade val="15000"/>
+            </a:schemeClr>
+          </a:lnRef>
+          <a:fillRef idx="1">
+            <a:schemeClr val="accent2"/>
+          </a:fillRef>
+          <a:effectRef idx="0">
+            <a:schemeClr val="accent2"/>
+          </a:effectRef>
+          <a:fontRef idx="minor">
+            <a:schemeClr val="lt1"/>
+          </a:fontRef>
+        </p:style>
+        <p:txBody>
+          <a:bodyPr rtlCol="0" anchor="ctr"/>
+          <a:lstStyle/>
+          <a:p>
+            <a:pPr algn="ctr"/>
+            <a:r>
+              <a:rPr lang="nl-NL" sz="4400" dirty="0"/>
+              <a:t>AP</a:t>
+            </a:r>
+            <a:endParaRPr lang="nl-NL" dirty="0"/>
           </a:p>
         </p:txBody>
       </p:sp>
@@ -11401,6 +11750,855 @@
     <p:extLst>
       <p:ext uri="{BB962C8B-B14F-4D97-AF65-F5344CB8AC3E}">
         <p14:creationId xmlns:p14="http://schemas.microsoft.com/office/powerpoint/2010/main" val="2338755176"/>
+      </p:ext>
+    </p:extLst>
+  </p:cSld>
+  <p:clrMapOvr>
+    <a:masterClrMapping/>
+  </p:clrMapOvr>
+</p:sld>
+</file>
+
+<file path=ppt/slides/slide24.xml><?xml version="1.0" encoding="utf-8"?>
+<p:sld xmlns:a="http://schemas.openxmlformats.org/drawingml/2006/main" xmlns:r="http://schemas.openxmlformats.org/officeDocument/2006/relationships" xmlns:p="http://schemas.openxmlformats.org/presentationml/2006/main">
+  <p:cSld>
+    <p:spTree>
+      <p:nvGrpSpPr>
+        <p:cNvPr id="1" name=""/>
+        <p:cNvGrpSpPr/>
+        <p:nvPr/>
+      </p:nvGrpSpPr>
+      <p:grpSpPr>
+        <a:xfrm>
+          <a:off x="0" y="0"/>
+          <a:ext cx="0" cy="0"/>
+          <a:chOff x="0" y="0"/>
+          <a:chExt cx="0" cy="0"/>
+        </a:xfrm>
+      </p:grpSpPr>
+      <p:sp>
+        <p:nvSpPr>
+          <p:cNvPr id="2" name="Title 1">
+            <a:extLst>
+              <a:ext uri="{FF2B5EF4-FFF2-40B4-BE49-F238E27FC236}">
+                <a16:creationId xmlns:a16="http://schemas.microsoft.com/office/drawing/2014/main" id="{5AC8FAC8-AEED-AC4E-ADDF-3B7346C45010}"/>
+              </a:ext>
+            </a:extLst>
+          </p:cNvPr>
+          <p:cNvSpPr>
+            <a:spLocks noGrp="1"/>
+          </p:cNvSpPr>
+          <p:nvPr>
+            <p:ph type="title"/>
+          </p:nvPr>
+        </p:nvSpPr>
+        <p:spPr/>
+        <p:txBody>
+          <a:bodyPr/>
+          <a:lstStyle/>
+          <a:p>
+            <a:r>
+              <a:rPr lang="nl-NL" dirty="0"/>
+              <a:t>Tempo </a:t>
+            </a:r>
+            <a:r>
+              <a:rPr lang="nl-NL" dirty="0" err="1"/>
+              <a:t>difference</a:t>
+            </a:r>
+            <a:r>
+              <a:rPr lang="nl-NL" dirty="0"/>
+              <a:t> </a:t>
+            </a:r>
+            <a:r>
+              <a:rPr lang="nl-NL" dirty="0" err="1"/>
+              <a:t>between</a:t>
+            </a:r>
+            <a:r>
+              <a:rPr lang="nl-NL" dirty="0"/>
+              <a:t> </a:t>
+            </a:r>
+            <a:r>
+              <a:rPr lang="nl-NL" dirty="0" err="1"/>
+              <a:t>language</a:t>
+            </a:r>
+            <a:r>
+              <a:rPr lang="nl-NL" dirty="0"/>
+              <a:t> </a:t>
+            </a:r>
+            <a:r>
+              <a:rPr lang="nl-NL" dirty="0" err="1"/>
+              <a:t>and</a:t>
+            </a:r>
+            <a:r>
+              <a:rPr lang="nl-NL" dirty="0"/>
+              <a:t> server</a:t>
+            </a:r>
+          </a:p>
+        </p:txBody>
+      </p:sp>
+      <p:sp>
+        <p:nvSpPr>
+          <p:cNvPr id="3" name="Content Placeholder 2">
+            <a:extLst>
+              <a:ext uri="{FF2B5EF4-FFF2-40B4-BE49-F238E27FC236}">
+                <a16:creationId xmlns:a16="http://schemas.microsoft.com/office/drawing/2014/main" id="{D23AD655-2425-F48F-3C07-B2A2AD76CDCC}"/>
+              </a:ext>
+            </a:extLst>
+          </p:cNvPr>
+          <p:cNvSpPr>
+            <a:spLocks noGrp="1"/>
+          </p:cNvSpPr>
+          <p:nvPr>
+            <p:ph idx="1"/>
+          </p:nvPr>
+        </p:nvSpPr>
+        <p:spPr/>
+        <p:txBody>
+          <a:bodyPr>
+            <a:normAutofit fontScale="92500" lnSpcReduction="10000"/>
+          </a:bodyPr>
+          <a:lstStyle/>
+          <a:p>
+            <a:r>
+              <a:rPr lang="nl-NL" dirty="0"/>
+              <a:t>22-04</a:t>
+            </a:r>
+          </a:p>
+          <a:p>
+            <a:r>
+              <a:rPr lang="nl-NL" dirty="0"/>
+              <a:t>UMC at 41100Hz </a:t>
+            </a:r>
+            <a:r>
+              <a:rPr lang="nl-NL" dirty="0" err="1"/>
+              <a:t>with</a:t>
+            </a:r>
+            <a:r>
+              <a:rPr lang="nl-NL" dirty="0"/>
+              <a:t> 64 </a:t>
+            </a:r>
+            <a:r>
+              <a:rPr lang="nl-NL" dirty="0" err="1"/>
+              <a:t>buffersize</a:t>
+            </a:r>
+            <a:endParaRPr lang="nl-NL" dirty="0"/>
+          </a:p>
+          <a:p>
+            <a:pPr lvl="1"/>
+            <a:r>
+              <a:rPr lang="nl-NL" dirty="0" err="1"/>
+              <a:t>Performing</a:t>
+            </a:r>
+            <a:r>
+              <a:rPr lang="nl-NL" dirty="0"/>
+              <a:t> test 1, shows </a:t>
+            </a:r>
+            <a:r>
+              <a:rPr lang="nl-NL" dirty="0" err="1"/>
+              <a:t>that</a:t>
+            </a:r>
+            <a:r>
+              <a:rPr lang="nl-NL" dirty="0"/>
+              <a:t> </a:t>
+            </a:r>
+            <a:r>
+              <a:rPr lang="nl-NL" i="1" dirty="0"/>
+              <a:t>d = </a:t>
+            </a:r>
+            <a:r>
+              <a:rPr lang="nl-NL" i="1" dirty="0" err="1"/>
+              <a:t>o.getSynchronous</a:t>
+            </a:r>
+            <a:r>
+              <a:rPr lang="nl-NL" i="1" dirty="0"/>
+              <a:t> - </a:t>
+            </a:r>
+            <a:r>
+              <a:rPr lang="nl-NL" i="1" dirty="0" err="1"/>
+              <a:t>t.beats</a:t>
+            </a:r>
+            <a:r>
+              <a:rPr lang="nl-NL" i="1" dirty="0"/>
+              <a:t>; // offset </a:t>
+            </a:r>
+            <a:r>
+              <a:rPr lang="nl-NL" dirty="0"/>
+              <a:t> is </a:t>
+            </a:r>
+            <a:r>
+              <a:rPr lang="nl-NL" dirty="0" err="1"/>
+              <a:t>steadily</a:t>
+            </a:r>
+            <a:r>
+              <a:rPr lang="nl-NL" dirty="0"/>
+              <a:t> </a:t>
+            </a:r>
+            <a:r>
+              <a:rPr lang="nl-NL" dirty="0" err="1"/>
+              <a:t>decreasing</a:t>
+            </a:r>
+            <a:r>
+              <a:rPr lang="nl-NL" dirty="0"/>
+              <a:t> over time</a:t>
+            </a:r>
+          </a:p>
+          <a:p>
+            <a:r>
+              <a:rPr lang="nl-NL" dirty="0"/>
+              <a:t>UMC at 41100Hz </a:t>
+            </a:r>
+            <a:r>
+              <a:rPr lang="nl-NL" dirty="0" err="1"/>
+              <a:t>with</a:t>
+            </a:r>
+            <a:r>
+              <a:rPr lang="nl-NL" dirty="0"/>
+              <a:t> 512 </a:t>
+            </a:r>
+            <a:r>
+              <a:rPr lang="nl-NL" dirty="0" err="1"/>
+              <a:t>buffersize</a:t>
+            </a:r>
+            <a:endParaRPr lang="nl-NL" dirty="0"/>
+          </a:p>
+          <a:p>
+            <a:pPr lvl="1"/>
+            <a:r>
+              <a:rPr lang="nl-NL" dirty="0" err="1"/>
+              <a:t>Performing</a:t>
+            </a:r>
+            <a:r>
+              <a:rPr lang="nl-NL" dirty="0"/>
+              <a:t> test 1 </a:t>
+            </a:r>
+            <a:r>
+              <a:rPr lang="nl-NL" dirty="0" err="1"/>
+              <a:t>again</a:t>
+            </a:r>
+            <a:r>
+              <a:rPr lang="nl-NL" dirty="0"/>
+              <a:t>, </a:t>
+            </a:r>
+            <a:r>
+              <a:rPr lang="nl-NL" dirty="0" err="1"/>
+              <a:t>similar</a:t>
+            </a:r>
+            <a:r>
+              <a:rPr lang="nl-NL" dirty="0"/>
+              <a:t> </a:t>
+            </a:r>
+            <a:r>
+              <a:rPr lang="nl-NL" dirty="0" err="1"/>
+              <a:t>results</a:t>
+            </a:r>
+            <a:r>
+              <a:rPr lang="nl-NL" dirty="0"/>
+              <a:t>, </a:t>
+            </a:r>
+            <a:r>
+              <a:rPr lang="nl-NL" dirty="0" err="1"/>
+              <a:t>also</a:t>
+            </a:r>
+            <a:r>
+              <a:rPr lang="nl-NL" dirty="0"/>
+              <a:t> </a:t>
+            </a:r>
+            <a:r>
+              <a:rPr lang="nl-NL" dirty="0" err="1"/>
+              <a:t>decreasing</a:t>
+            </a:r>
+            <a:r>
+              <a:rPr lang="nl-NL" dirty="0"/>
+              <a:t> over time, but </a:t>
+            </a:r>
+            <a:r>
+              <a:rPr lang="nl-NL" dirty="0" err="1"/>
+              <a:t>now</a:t>
+            </a:r>
+            <a:r>
+              <a:rPr lang="nl-NL" dirty="0"/>
+              <a:t> slower</a:t>
+            </a:r>
+          </a:p>
+          <a:p>
+            <a:r>
+              <a:rPr lang="nl-NL" dirty="0" err="1"/>
+              <a:t>Apparantly</a:t>
+            </a:r>
+            <a:r>
+              <a:rPr lang="nl-NL" dirty="0"/>
+              <a:t> </a:t>
+            </a:r>
+            <a:r>
+              <a:rPr lang="nl-NL" dirty="0" err="1"/>
+              <a:t>this</a:t>
+            </a:r>
+            <a:r>
+              <a:rPr lang="nl-NL" dirty="0"/>
+              <a:t> is a </a:t>
+            </a:r>
+            <a:r>
+              <a:rPr lang="nl-NL" dirty="0" err="1"/>
+              <a:t>known</a:t>
+            </a:r>
+            <a:r>
+              <a:rPr lang="nl-NL" dirty="0"/>
+              <a:t> issue, </a:t>
+            </a:r>
+            <a:r>
+              <a:rPr lang="nl-NL" dirty="0" err="1"/>
+              <a:t>it</a:t>
+            </a:r>
+            <a:r>
+              <a:rPr lang="nl-NL" dirty="0"/>
+              <a:t> is </a:t>
+            </a:r>
+            <a:r>
+              <a:rPr lang="nl-NL" dirty="0" err="1"/>
+              <a:t>referred</a:t>
+            </a:r>
+            <a:r>
+              <a:rPr lang="nl-NL" dirty="0"/>
+              <a:t> </a:t>
+            </a:r>
+            <a:r>
+              <a:rPr lang="nl-NL" dirty="0" err="1"/>
+              <a:t>to</a:t>
+            </a:r>
+            <a:r>
+              <a:rPr lang="nl-NL" dirty="0"/>
+              <a:t> as drift.</a:t>
+            </a:r>
+          </a:p>
+          <a:p>
+            <a:pPr lvl="1"/>
+            <a:r>
+              <a:rPr lang="nl-NL" dirty="0">
+                <a:hlinkClick r:id="rId2"/>
+              </a:rPr>
+              <a:t>https://scsynth.org/t/keeping-sclang-and-scsynth-in-hard-sync/5526/7</a:t>
+            </a:r>
+            <a:endParaRPr lang="nl-NL" dirty="0"/>
+          </a:p>
+          <a:p>
+            <a:pPr lvl="1"/>
+            <a:r>
+              <a:rPr lang="nl-NL" dirty="0">
+                <a:hlinkClick r:id="rId3"/>
+              </a:rPr>
+              <a:t>https://scsynth.org/t/sweeping-through-a-buffer-in-sync-with-tempo/2621</a:t>
+            </a:r>
+            <a:endParaRPr lang="nl-NL" dirty="0"/>
+          </a:p>
+          <a:p>
+            <a:pPr lvl="1"/>
+            <a:r>
+              <a:rPr lang="nl-NL" dirty="0">
+                <a:hlinkClick r:id="rId4"/>
+              </a:rPr>
+              <a:t>https://scsynth.org/t/server-clock-vs-language-clock/9135/5</a:t>
+            </a:r>
+            <a:endParaRPr lang="nl-NL" dirty="0"/>
+          </a:p>
+          <a:p>
+            <a:pPr lvl="1"/>
+            <a:r>
+              <a:rPr lang="nl-NL" dirty="0">
+                <a:hlinkClick r:id="rId5"/>
+              </a:rPr>
+              <a:t>https://scsynth.org/t/imperfection-of-language-based-timing/350/19</a:t>
+            </a:r>
+            <a:r>
+              <a:rPr lang="nl-NL" dirty="0"/>
+              <a:t> </a:t>
+            </a:r>
+          </a:p>
+        </p:txBody>
+      </p:sp>
+    </p:spTree>
+    <p:extLst>
+      <p:ext uri="{BB962C8B-B14F-4D97-AF65-F5344CB8AC3E}">
+        <p14:creationId xmlns:p14="http://schemas.microsoft.com/office/powerpoint/2010/main" val="3017193434"/>
+      </p:ext>
+    </p:extLst>
+  </p:cSld>
+  <p:clrMapOvr>
+    <a:masterClrMapping/>
+  </p:clrMapOvr>
+</p:sld>
+</file>
+
+<file path=ppt/slides/slide25.xml><?xml version="1.0" encoding="utf-8"?>
+<p:sld xmlns:a="http://schemas.openxmlformats.org/drawingml/2006/main" xmlns:r="http://schemas.openxmlformats.org/officeDocument/2006/relationships" xmlns:p="http://schemas.openxmlformats.org/presentationml/2006/main">
+  <p:cSld>
+    <p:spTree>
+      <p:nvGrpSpPr>
+        <p:cNvPr id="1" name=""/>
+        <p:cNvGrpSpPr/>
+        <p:nvPr/>
+      </p:nvGrpSpPr>
+      <p:grpSpPr>
+        <a:xfrm>
+          <a:off x="0" y="0"/>
+          <a:ext cx="0" cy="0"/>
+          <a:chOff x="0" y="0"/>
+          <a:chExt cx="0" cy="0"/>
+        </a:xfrm>
+      </p:grpSpPr>
+      <p:sp>
+        <p:nvSpPr>
+          <p:cNvPr id="2" name="Title 1">
+            <a:extLst>
+              <a:ext uri="{FF2B5EF4-FFF2-40B4-BE49-F238E27FC236}">
+                <a16:creationId xmlns:a16="http://schemas.microsoft.com/office/drawing/2014/main" id="{0D8F5DDC-55AC-2E35-0EDC-4B79B8D22055}"/>
+              </a:ext>
+            </a:extLst>
+          </p:cNvPr>
+          <p:cNvSpPr>
+            <a:spLocks noGrp="1"/>
+          </p:cNvSpPr>
+          <p:nvPr>
+            <p:ph type="title"/>
+          </p:nvPr>
+        </p:nvSpPr>
+        <p:spPr/>
+        <p:txBody>
+          <a:bodyPr/>
+          <a:lstStyle/>
+          <a:p>
+            <a:r>
+              <a:rPr lang="nl-NL" dirty="0"/>
+              <a:t>Drift</a:t>
+            </a:r>
+          </a:p>
+        </p:txBody>
+      </p:sp>
+      <p:sp>
+        <p:nvSpPr>
+          <p:cNvPr id="3" name="Content Placeholder 2">
+            <a:extLst>
+              <a:ext uri="{FF2B5EF4-FFF2-40B4-BE49-F238E27FC236}">
+                <a16:creationId xmlns:a16="http://schemas.microsoft.com/office/drawing/2014/main" id="{22D95E6E-E08C-2F1E-458A-BE3B0000C604}"/>
+              </a:ext>
+            </a:extLst>
+          </p:cNvPr>
+          <p:cNvSpPr>
+            <a:spLocks noGrp="1"/>
+          </p:cNvSpPr>
+          <p:nvPr>
+            <p:ph idx="1"/>
+          </p:nvPr>
+        </p:nvSpPr>
+        <p:spPr/>
+        <p:txBody>
+          <a:bodyPr/>
+          <a:lstStyle/>
+          <a:p>
+            <a:r>
+              <a:rPr lang="nl-NL" dirty="0" err="1"/>
+              <a:t>Should</a:t>
+            </a:r>
+            <a:r>
+              <a:rPr lang="nl-NL" dirty="0"/>
+              <a:t> </a:t>
+            </a:r>
+            <a:r>
+              <a:rPr lang="nl-NL" dirty="0" err="1"/>
+              <a:t>come</a:t>
+            </a:r>
+            <a:r>
+              <a:rPr lang="nl-NL" dirty="0"/>
+              <a:t> up </a:t>
+            </a:r>
+            <a:r>
+              <a:rPr lang="nl-NL" dirty="0" err="1"/>
+              <a:t>with</a:t>
+            </a:r>
+            <a:r>
+              <a:rPr lang="nl-NL" dirty="0"/>
+              <a:t> a </a:t>
+            </a:r>
+            <a:r>
+              <a:rPr lang="nl-NL" dirty="0" err="1"/>
+              <a:t>mechanism</a:t>
+            </a:r>
+            <a:r>
+              <a:rPr lang="nl-NL" dirty="0"/>
+              <a:t> </a:t>
+            </a:r>
+            <a:r>
+              <a:rPr lang="nl-NL" dirty="0" err="1"/>
+              <a:t>to</a:t>
+            </a:r>
+            <a:r>
+              <a:rPr lang="nl-NL" dirty="0"/>
+              <a:t> keep </a:t>
+            </a:r>
+            <a:r>
+              <a:rPr lang="nl-NL" dirty="0" err="1"/>
+              <a:t>language</a:t>
+            </a:r>
+            <a:r>
+              <a:rPr lang="nl-NL" dirty="0"/>
+              <a:t> </a:t>
+            </a:r>
+            <a:r>
+              <a:rPr lang="nl-NL" dirty="0" err="1"/>
+              <a:t>and</a:t>
+            </a:r>
+            <a:r>
+              <a:rPr lang="nl-NL" dirty="0"/>
+              <a:t> server </a:t>
+            </a:r>
+            <a:r>
+              <a:rPr lang="nl-NL" dirty="0" err="1"/>
+              <a:t>synced</a:t>
+            </a:r>
+            <a:r>
+              <a:rPr lang="nl-NL" dirty="0"/>
+              <a:t>, tackle </a:t>
+            </a:r>
+            <a:r>
+              <a:rPr lang="nl-NL" dirty="0" err="1"/>
+              <a:t>separately</a:t>
+            </a:r>
+            <a:endParaRPr lang="nl-NL" dirty="0"/>
+          </a:p>
+          <a:p>
+            <a:pPr lvl="1"/>
+            <a:r>
+              <a:rPr lang="nl-NL" dirty="0"/>
+              <a:t>Drift </a:t>
+            </a:r>
+          </a:p>
+          <a:p>
+            <a:pPr lvl="2"/>
+            <a:r>
+              <a:rPr lang="nl-NL" dirty="0" err="1"/>
+              <a:t>This</a:t>
+            </a:r>
+            <a:r>
+              <a:rPr lang="nl-NL" dirty="0"/>
+              <a:t> solution </a:t>
+            </a:r>
+            <a:r>
+              <a:rPr lang="nl-NL" dirty="0">
+                <a:hlinkClick r:id="rId2"/>
+              </a:rPr>
+              <a:t>https://scsynth.org/t/sweeping-through-a-buffer-in-sync-with-tempo/2621/6</a:t>
+            </a:r>
+            <a:r>
+              <a:rPr lang="nl-NL" dirty="0"/>
+              <a:t> </a:t>
+            </a:r>
+            <a:r>
+              <a:rPr lang="nl-NL" dirty="0" err="1"/>
+              <a:t>might</a:t>
+            </a:r>
+            <a:r>
+              <a:rPr lang="nl-NL" dirty="0"/>
+              <a:t> </a:t>
+            </a:r>
+            <a:r>
+              <a:rPr lang="nl-NL" dirty="0" err="1"/>
+              <a:t>be</a:t>
+            </a:r>
+            <a:r>
+              <a:rPr lang="nl-NL" dirty="0"/>
+              <a:t> fine; we </a:t>
+            </a:r>
+            <a:r>
+              <a:rPr lang="nl-NL" dirty="0" err="1"/>
+              <a:t>periodically</a:t>
+            </a:r>
+            <a:r>
+              <a:rPr lang="nl-NL" dirty="0"/>
+              <a:t> sync </a:t>
+            </a:r>
+            <a:r>
+              <a:rPr lang="nl-NL" dirty="0" err="1"/>
+              <a:t>the</a:t>
+            </a:r>
+            <a:r>
+              <a:rPr lang="nl-NL" dirty="0"/>
+              <a:t> server </a:t>
+            </a:r>
+            <a:r>
+              <a:rPr lang="nl-NL" dirty="0" err="1"/>
+              <a:t>to</a:t>
+            </a:r>
+            <a:r>
+              <a:rPr lang="nl-NL" dirty="0"/>
+              <a:t> </a:t>
+            </a:r>
+            <a:r>
+              <a:rPr lang="nl-NL" dirty="0" err="1"/>
+              <a:t>the</a:t>
+            </a:r>
+            <a:r>
+              <a:rPr lang="nl-NL" dirty="0"/>
+              <a:t> </a:t>
+            </a:r>
+            <a:r>
+              <a:rPr lang="nl-NL" dirty="0" err="1"/>
+              <a:t>language</a:t>
+            </a:r>
+            <a:r>
+              <a:rPr lang="nl-NL" dirty="0"/>
+              <a:t>; </a:t>
+            </a:r>
+            <a:r>
+              <a:rPr lang="nl-NL" dirty="0" err="1"/>
+              <a:t>this</a:t>
+            </a:r>
+            <a:r>
+              <a:rPr lang="nl-NL" dirty="0"/>
+              <a:t> does </a:t>
+            </a:r>
+            <a:r>
+              <a:rPr lang="nl-NL" dirty="0" err="1"/>
+              <a:t>not</a:t>
+            </a:r>
+            <a:r>
+              <a:rPr lang="nl-NL" dirty="0"/>
+              <a:t> </a:t>
+            </a:r>
+            <a:r>
+              <a:rPr lang="nl-NL" dirty="0" err="1"/>
+              <a:t>interfer</a:t>
+            </a:r>
+            <a:r>
+              <a:rPr lang="nl-NL" dirty="0"/>
+              <a:t> </a:t>
+            </a:r>
+            <a:r>
+              <a:rPr lang="nl-NL" dirty="0" err="1"/>
+              <a:t>with</a:t>
+            </a:r>
+            <a:r>
+              <a:rPr lang="nl-NL" dirty="0"/>
+              <a:t> </a:t>
+            </a:r>
+            <a:r>
+              <a:rPr lang="nl-NL" dirty="0" err="1"/>
+              <a:t>our</a:t>
+            </a:r>
+            <a:r>
+              <a:rPr lang="nl-NL" dirty="0"/>
+              <a:t> </a:t>
+            </a:r>
+            <a:r>
+              <a:rPr lang="nl-NL" dirty="0" err="1"/>
+              <a:t>current</a:t>
+            </a:r>
+            <a:r>
+              <a:rPr lang="nl-NL" dirty="0"/>
+              <a:t> system of </a:t>
+            </a:r>
+            <a:r>
+              <a:rPr lang="nl-NL" dirty="0" err="1"/>
+              <a:t>adjusting</a:t>
+            </a:r>
+            <a:r>
+              <a:rPr lang="nl-NL" dirty="0"/>
+              <a:t> </a:t>
+            </a:r>
+            <a:r>
+              <a:rPr lang="nl-NL" dirty="0" err="1"/>
+              <a:t>the</a:t>
+            </a:r>
+            <a:r>
+              <a:rPr lang="nl-NL" dirty="0"/>
+              <a:t> </a:t>
+            </a:r>
+            <a:r>
+              <a:rPr lang="nl-NL" dirty="0" err="1"/>
+              <a:t>trackclock</a:t>
+            </a:r>
+            <a:r>
+              <a:rPr lang="nl-NL" dirty="0"/>
+              <a:t> </a:t>
+            </a:r>
+            <a:r>
+              <a:rPr lang="nl-NL" dirty="0" err="1"/>
+              <a:t>once</a:t>
+            </a:r>
+            <a:r>
+              <a:rPr lang="nl-NL" dirty="0"/>
+              <a:t> we have </a:t>
+            </a:r>
+            <a:r>
+              <a:rPr lang="nl-NL" dirty="0" err="1"/>
+              <a:t>tempobend</a:t>
+            </a:r>
+            <a:r>
+              <a:rPr lang="nl-NL" dirty="0"/>
+              <a:t>, </a:t>
+            </a:r>
+            <a:r>
+              <a:rPr lang="nl-NL" dirty="0" err="1"/>
+              <a:t>because</a:t>
+            </a:r>
+            <a:r>
+              <a:rPr lang="nl-NL" dirty="0"/>
+              <a:t> </a:t>
+            </a:r>
+            <a:r>
+              <a:rPr lang="nl-NL" dirty="0" err="1"/>
+              <a:t>the</a:t>
+            </a:r>
+            <a:r>
+              <a:rPr lang="nl-NL" dirty="0"/>
+              <a:t> </a:t>
+            </a:r>
+            <a:r>
+              <a:rPr lang="nl-NL" dirty="0" err="1"/>
+              <a:t>latter</a:t>
+            </a:r>
+            <a:r>
+              <a:rPr lang="nl-NL" dirty="0"/>
+              <a:t> </a:t>
+            </a:r>
+            <a:r>
+              <a:rPr lang="nl-NL" dirty="0" err="1"/>
+              <a:t>would</a:t>
+            </a:r>
+            <a:r>
+              <a:rPr lang="nl-NL" dirty="0"/>
+              <a:t> run a level </a:t>
+            </a:r>
+            <a:r>
+              <a:rPr lang="nl-NL" dirty="0" err="1"/>
+              <a:t>higher</a:t>
+            </a:r>
+            <a:r>
+              <a:rPr lang="nl-NL" dirty="0"/>
+              <a:t> (as </a:t>
+            </a:r>
+            <a:r>
+              <a:rPr lang="nl-NL" dirty="0" err="1"/>
+              <a:t>to</a:t>
+            </a:r>
+            <a:r>
+              <a:rPr lang="nl-NL" dirty="0"/>
+              <a:t> say) as </a:t>
+            </a:r>
+            <a:r>
+              <a:rPr lang="nl-NL" dirty="0" err="1"/>
+              <a:t>the</a:t>
+            </a:r>
+            <a:r>
+              <a:rPr lang="nl-NL" dirty="0"/>
+              <a:t> </a:t>
+            </a:r>
+            <a:r>
+              <a:rPr lang="nl-NL" dirty="0" err="1"/>
+              <a:t>former</a:t>
+            </a:r>
+            <a:r>
+              <a:rPr lang="nl-NL" dirty="0"/>
+              <a:t>.</a:t>
+            </a:r>
+          </a:p>
+          <a:p>
+            <a:pPr lvl="1"/>
+            <a:r>
+              <a:rPr lang="nl-NL" dirty="0" err="1"/>
+              <a:t>Jitter</a:t>
+            </a:r>
+            <a:r>
+              <a:rPr lang="nl-NL" dirty="0"/>
+              <a:t> (</a:t>
+            </a:r>
+            <a:r>
+              <a:rPr lang="nl-NL" dirty="0" err="1"/>
+              <a:t>not</a:t>
+            </a:r>
+            <a:r>
+              <a:rPr lang="nl-NL" dirty="0"/>
+              <a:t> </a:t>
+            </a:r>
+            <a:r>
+              <a:rPr lang="nl-NL" dirty="0" err="1"/>
+              <a:t>so</a:t>
+            </a:r>
+            <a:r>
+              <a:rPr lang="nl-NL" dirty="0"/>
+              <a:t> important, </a:t>
+            </a:r>
+            <a:r>
+              <a:rPr lang="nl-NL" dirty="0" err="1"/>
+              <a:t>discussed</a:t>
+            </a:r>
+            <a:r>
+              <a:rPr lang="nl-NL" dirty="0"/>
+              <a:t> in </a:t>
+            </a:r>
+            <a:r>
+              <a:rPr lang="nl-NL" dirty="0" err="1"/>
+              <a:t>previous</a:t>
+            </a:r>
+            <a:r>
+              <a:rPr lang="nl-NL" dirty="0"/>
+              <a:t> slides)</a:t>
+            </a:r>
+          </a:p>
+        </p:txBody>
+      </p:sp>
+      <p:sp>
+        <p:nvSpPr>
+          <p:cNvPr id="4" name="Rectangle: Rounded Corners 3">
+            <a:extLst>
+              <a:ext uri="{FF2B5EF4-FFF2-40B4-BE49-F238E27FC236}">
+                <a16:creationId xmlns:a16="http://schemas.microsoft.com/office/drawing/2014/main" id="{900EA67D-D009-43EE-38FF-E87C4B7AE9F9}"/>
+              </a:ext>
+            </a:extLst>
+          </p:cNvPr>
+          <p:cNvSpPr/>
+          <p:nvPr/>
+        </p:nvSpPr>
+        <p:spPr>
+          <a:xfrm>
+            <a:off x="11021568" y="1690688"/>
+            <a:ext cx="1170432" cy="979043"/>
+          </a:xfrm>
+          <a:prstGeom prst="roundRect">
+            <a:avLst/>
+          </a:prstGeom>
+        </p:spPr>
+        <p:style>
+          <a:lnRef idx="2">
+            <a:schemeClr val="accent2">
+              <a:shade val="15000"/>
+            </a:schemeClr>
+          </a:lnRef>
+          <a:fillRef idx="1">
+            <a:schemeClr val="accent2"/>
+          </a:fillRef>
+          <a:effectRef idx="0">
+            <a:schemeClr val="accent2"/>
+          </a:effectRef>
+          <a:fontRef idx="minor">
+            <a:schemeClr val="lt1"/>
+          </a:fontRef>
+        </p:style>
+        <p:txBody>
+          <a:bodyPr rtlCol="0" anchor="ctr"/>
+          <a:lstStyle/>
+          <a:p>
+            <a:pPr algn="ctr"/>
+            <a:r>
+              <a:rPr lang="nl-NL" sz="4400" dirty="0"/>
+              <a:t>AP</a:t>
+            </a:r>
+            <a:endParaRPr lang="nl-NL" dirty="0"/>
+          </a:p>
+        </p:txBody>
+      </p:sp>
+    </p:spTree>
+    <p:extLst>
+      <p:ext uri="{BB962C8B-B14F-4D97-AF65-F5344CB8AC3E}">
+        <p14:creationId xmlns:p14="http://schemas.microsoft.com/office/powerpoint/2010/main" val="593431484"/>
       </p:ext>
     </p:extLst>
   </p:cSld>

--- a/Design Log/DJ deck.pptx
+++ b/Design Log/DJ deck.pptx
@@ -5,7 +5,7 @@
     <p:sldMasterId id="2147483648" r:id="rId1"/>
   </p:sldMasterIdLst>
   <p:notesMasterIdLst>
-    <p:notesMasterId r:id="rId27"/>
+    <p:notesMasterId r:id="rId28"/>
   </p:notesMasterIdLst>
   <p:sldIdLst>
     <p:sldId id="256" r:id="rId2"/>
@@ -33,6 +33,7 @@
     <p:sldId id="278" r:id="rId24"/>
     <p:sldId id="279" r:id="rId25"/>
     <p:sldId id="280" r:id="rId26"/>
+    <p:sldId id="281" r:id="rId27"/>
   </p:sldIdLst>
   <p:sldSz cx="12192000" cy="6858000"/>
   <p:notesSz cx="6858000" cy="9144000"/>
@@ -221,7 +222,7 @@
           <a:p>
             <a:fld id="{F2131A79-E1C2-43E2-88BB-991A587CF34B}" type="datetimeFigureOut">
               <a:rPr lang="nl-NL" smtClean="0"/>
-              <a:t>22-4-2025</a:t>
+              <a:t>6-5-2025</a:t>
             </a:fld>
             <a:endParaRPr lang="nl-NL"/>
           </a:p>
@@ -722,7 +723,7 @@
           <a:p>
             <a:fld id="{291A462F-E04C-4E22-938A-A0EF93E33BE5}" type="datetimeFigureOut">
               <a:rPr lang="nl-NL" smtClean="0"/>
-              <a:t>22-4-2025</a:t>
+              <a:t>6-5-2025</a:t>
             </a:fld>
             <a:endParaRPr lang="nl-NL"/>
           </a:p>
@@ -922,7 +923,7 @@
           <a:p>
             <a:fld id="{291A462F-E04C-4E22-938A-A0EF93E33BE5}" type="datetimeFigureOut">
               <a:rPr lang="nl-NL" smtClean="0"/>
-              <a:t>22-4-2025</a:t>
+              <a:t>6-5-2025</a:t>
             </a:fld>
             <a:endParaRPr lang="nl-NL"/>
           </a:p>
@@ -1132,7 +1133,7 @@
           <a:p>
             <a:fld id="{291A462F-E04C-4E22-938A-A0EF93E33BE5}" type="datetimeFigureOut">
               <a:rPr lang="nl-NL" smtClean="0"/>
-              <a:t>22-4-2025</a:t>
+              <a:t>6-5-2025</a:t>
             </a:fld>
             <a:endParaRPr lang="nl-NL"/>
           </a:p>
@@ -1332,7 +1333,7 @@
           <a:p>
             <a:fld id="{291A462F-E04C-4E22-938A-A0EF93E33BE5}" type="datetimeFigureOut">
               <a:rPr lang="nl-NL" smtClean="0"/>
-              <a:t>22-4-2025</a:t>
+              <a:t>6-5-2025</a:t>
             </a:fld>
             <a:endParaRPr lang="nl-NL"/>
           </a:p>
@@ -1608,7 +1609,7 @@
           <a:p>
             <a:fld id="{291A462F-E04C-4E22-938A-A0EF93E33BE5}" type="datetimeFigureOut">
               <a:rPr lang="nl-NL" smtClean="0"/>
-              <a:t>22-4-2025</a:t>
+              <a:t>6-5-2025</a:t>
             </a:fld>
             <a:endParaRPr lang="nl-NL"/>
           </a:p>
@@ -1876,7 +1877,7 @@
           <a:p>
             <a:fld id="{291A462F-E04C-4E22-938A-A0EF93E33BE5}" type="datetimeFigureOut">
               <a:rPr lang="nl-NL" smtClean="0"/>
-              <a:t>22-4-2025</a:t>
+              <a:t>6-5-2025</a:t>
             </a:fld>
             <a:endParaRPr lang="nl-NL"/>
           </a:p>
@@ -2291,7 +2292,7 @@
           <a:p>
             <a:fld id="{291A462F-E04C-4E22-938A-A0EF93E33BE5}" type="datetimeFigureOut">
               <a:rPr lang="nl-NL" smtClean="0"/>
-              <a:t>22-4-2025</a:t>
+              <a:t>6-5-2025</a:t>
             </a:fld>
             <a:endParaRPr lang="nl-NL"/>
           </a:p>
@@ -2433,7 +2434,7 @@
           <a:p>
             <a:fld id="{291A462F-E04C-4E22-938A-A0EF93E33BE5}" type="datetimeFigureOut">
               <a:rPr lang="nl-NL" smtClean="0"/>
-              <a:t>22-4-2025</a:t>
+              <a:t>6-5-2025</a:t>
             </a:fld>
             <a:endParaRPr lang="nl-NL"/>
           </a:p>
@@ -2546,7 +2547,7 @@
           <a:p>
             <a:fld id="{291A462F-E04C-4E22-938A-A0EF93E33BE5}" type="datetimeFigureOut">
               <a:rPr lang="nl-NL" smtClean="0"/>
-              <a:t>22-4-2025</a:t>
+              <a:t>6-5-2025</a:t>
             </a:fld>
             <a:endParaRPr lang="nl-NL"/>
           </a:p>
@@ -2859,7 +2860,7 @@
           <a:p>
             <a:fld id="{291A462F-E04C-4E22-938A-A0EF93E33BE5}" type="datetimeFigureOut">
               <a:rPr lang="nl-NL" smtClean="0"/>
-              <a:t>22-4-2025</a:t>
+              <a:t>6-5-2025</a:t>
             </a:fld>
             <a:endParaRPr lang="nl-NL"/>
           </a:p>
@@ -3148,7 +3149,7 @@
           <a:p>
             <a:fld id="{291A462F-E04C-4E22-938A-A0EF93E33BE5}" type="datetimeFigureOut">
               <a:rPr lang="nl-NL" smtClean="0"/>
-              <a:t>22-4-2025</a:t>
+              <a:t>6-5-2025</a:t>
             </a:fld>
             <a:endParaRPr lang="nl-NL"/>
           </a:p>
@@ -3391,7 +3392,7 @@
           <a:p>
             <a:fld id="{291A462F-E04C-4E22-938A-A0EF93E33BE5}" type="datetimeFigureOut">
               <a:rPr lang="nl-NL" smtClean="0"/>
-              <a:t>22-4-2025</a:t>
+              <a:t>6-5-2025</a:t>
             </a:fld>
             <a:endParaRPr lang="nl-NL"/>
           </a:p>
@@ -12599,6 +12600,278 @@
     <p:extLst>
       <p:ext uri="{BB962C8B-B14F-4D97-AF65-F5344CB8AC3E}">
         <p14:creationId xmlns:p14="http://schemas.microsoft.com/office/powerpoint/2010/main" val="593431484"/>
+      </p:ext>
+    </p:extLst>
+  </p:cSld>
+  <p:clrMapOvr>
+    <a:masterClrMapping/>
+  </p:clrMapOvr>
+</p:sld>
+</file>
+
+<file path=ppt/slides/slide26.xml><?xml version="1.0" encoding="utf-8"?>
+<p:sld xmlns:a="http://schemas.openxmlformats.org/drawingml/2006/main" xmlns:r="http://schemas.openxmlformats.org/officeDocument/2006/relationships" xmlns:p="http://schemas.openxmlformats.org/presentationml/2006/main">
+  <p:cSld>
+    <p:spTree>
+      <p:nvGrpSpPr>
+        <p:cNvPr id="1" name=""/>
+        <p:cNvGrpSpPr/>
+        <p:nvPr/>
+      </p:nvGrpSpPr>
+      <p:grpSpPr>
+        <a:xfrm>
+          <a:off x="0" y="0"/>
+          <a:ext cx="0" cy="0"/>
+          <a:chOff x="0" y="0"/>
+          <a:chExt cx="0" cy="0"/>
+        </a:xfrm>
+      </p:grpSpPr>
+      <p:sp>
+        <p:nvSpPr>
+          <p:cNvPr id="2" name="Title 1">
+            <a:extLst>
+              <a:ext uri="{FF2B5EF4-FFF2-40B4-BE49-F238E27FC236}">
+                <a16:creationId xmlns:a16="http://schemas.microsoft.com/office/drawing/2014/main" id="{ED0BF306-C6AD-636B-590F-6F4799778F39}"/>
+              </a:ext>
+            </a:extLst>
+          </p:cNvPr>
+          <p:cNvSpPr>
+            <a:spLocks noGrp="1"/>
+          </p:cNvSpPr>
+          <p:nvPr>
+            <p:ph type="title"/>
+          </p:nvPr>
+        </p:nvSpPr>
+        <p:spPr/>
+        <p:txBody>
+          <a:bodyPr/>
+          <a:lstStyle/>
+          <a:p>
+            <a:r>
+              <a:rPr lang="nl-NL" dirty="0"/>
+              <a:t>Looping</a:t>
+            </a:r>
+          </a:p>
+        </p:txBody>
+      </p:sp>
+      <p:sp>
+        <p:nvSpPr>
+          <p:cNvPr id="3" name="Content Placeholder 2">
+            <a:extLst>
+              <a:ext uri="{FF2B5EF4-FFF2-40B4-BE49-F238E27FC236}">
+                <a16:creationId xmlns:a16="http://schemas.microsoft.com/office/drawing/2014/main" id="{61E8547B-9E51-213E-5F89-A97068E46779}"/>
+              </a:ext>
+            </a:extLst>
+          </p:cNvPr>
+          <p:cNvSpPr>
+            <a:spLocks noGrp="1"/>
+          </p:cNvSpPr>
+          <p:nvPr>
+            <p:ph idx="1"/>
+          </p:nvPr>
+        </p:nvSpPr>
+        <p:spPr>
+          <a:xfrm>
+            <a:off x="838200" y="1825625"/>
+            <a:ext cx="10015728" cy="4351338"/>
+          </a:xfrm>
+        </p:spPr>
+        <p:txBody>
+          <a:bodyPr/>
+          <a:lstStyle/>
+          <a:p>
+            <a:r>
+              <a:rPr lang="nl-NL" dirty="0"/>
+              <a:t>I </a:t>
+            </a:r>
+            <a:r>
+              <a:rPr lang="nl-NL" dirty="0" err="1"/>
+              <a:t>should</a:t>
+            </a:r>
+            <a:r>
+              <a:rPr lang="nl-NL" dirty="0"/>
+              <a:t> </a:t>
+            </a:r>
+            <a:r>
+              <a:rPr lang="nl-NL" dirty="0" err="1"/>
+              <a:t>distinguish</a:t>
+            </a:r>
+            <a:r>
+              <a:rPr lang="nl-NL" dirty="0"/>
+              <a:t> </a:t>
+            </a:r>
+            <a:r>
+              <a:rPr lang="nl-NL" dirty="0" err="1"/>
+              <a:t>between</a:t>
+            </a:r>
+            <a:r>
+              <a:rPr lang="nl-NL" dirty="0"/>
+              <a:t> </a:t>
+            </a:r>
+            <a:r>
+              <a:rPr lang="nl-NL" dirty="0" err="1"/>
+              <a:t>two</a:t>
+            </a:r>
+            <a:r>
+              <a:rPr lang="nl-NL" dirty="0"/>
+              <a:t> looping modes</a:t>
+            </a:r>
+          </a:p>
+          <a:p>
+            <a:pPr lvl="1"/>
+            <a:r>
+              <a:rPr lang="nl-NL" dirty="0"/>
+              <a:t>Front (</a:t>
+            </a:r>
+            <a:r>
+              <a:rPr lang="nl-NL" dirty="0" err="1"/>
+              <a:t>normal</a:t>
+            </a:r>
+            <a:r>
+              <a:rPr lang="nl-NL" dirty="0"/>
+              <a:t>), start point of loop is </a:t>
+            </a:r>
+            <a:r>
+              <a:rPr lang="nl-NL" dirty="0" err="1"/>
+              <a:t>fixed</a:t>
+            </a:r>
+            <a:r>
+              <a:rPr lang="nl-NL" dirty="0"/>
+              <a:t>, </a:t>
+            </a:r>
+            <a:r>
+              <a:rPr lang="nl-NL" dirty="0" err="1"/>
+              <a:t>length</a:t>
+            </a:r>
+            <a:r>
+              <a:rPr lang="nl-NL" dirty="0"/>
+              <a:t> </a:t>
+            </a:r>
+            <a:r>
+              <a:rPr lang="nl-NL" dirty="0" err="1"/>
+              <a:t>modulates</a:t>
+            </a:r>
+            <a:r>
+              <a:rPr lang="nl-NL" dirty="0"/>
+              <a:t> </a:t>
+            </a:r>
+            <a:r>
+              <a:rPr lang="nl-NL" dirty="0" err="1"/>
+              <a:t>the</a:t>
+            </a:r>
+            <a:r>
+              <a:rPr lang="nl-NL" dirty="0"/>
+              <a:t> end point -&gt; </a:t>
+            </a:r>
+            <a:r>
+              <a:rPr lang="nl-NL" dirty="0" err="1"/>
+              <a:t>currently</a:t>
+            </a:r>
+            <a:r>
+              <a:rPr lang="nl-NL" dirty="0"/>
+              <a:t> </a:t>
+            </a:r>
+            <a:r>
+              <a:rPr lang="nl-NL"/>
+              <a:t>implemented</a:t>
+            </a:r>
+            <a:endParaRPr lang="nl-NL" dirty="0"/>
+          </a:p>
+          <a:p>
+            <a:pPr lvl="1"/>
+            <a:r>
+              <a:rPr lang="nl-NL" dirty="0"/>
+              <a:t>End, end point of loop is </a:t>
+            </a:r>
+            <a:r>
+              <a:rPr lang="nl-NL" dirty="0" err="1"/>
+              <a:t>fixed</a:t>
+            </a:r>
+            <a:r>
+              <a:rPr lang="nl-NL" dirty="0"/>
+              <a:t>, </a:t>
+            </a:r>
+            <a:r>
+              <a:rPr lang="nl-NL" dirty="0" err="1"/>
+              <a:t>length</a:t>
+            </a:r>
+            <a:r>
+              <a:rPr lang="nl-NL" dirty="0"/>
+              <a:t> </a:t>
+            </a:r>
+            <a:r>
+              <a:rPr lang="nl-NL" dirty="0" err="1"/>
+              <a:t>modulates</a:t>
+            </a:r>
+            <a:r>
+              <a:rPr lang="nl-NL" dirty="0"/>
+              <a:t> </a:t>
+            </a:r>
+            <a:r>
+              <a:rPr lang="nl-NL" dirty="0" err="1"/>
+              <a:t>the</a:t>
+            </a:r>
+            <a:r>
+              <a:rPr lang="nl-NL" dirty="0"/>
+              <a:t> start point</a:t>
+            </a:r>
+          </a:p>
+        </p:txBody>
+      </p:sp>
+      <p:sp>
+        <p:nvSpPr>
+          <p:cNvPr id="4" name="Rectangle: Rounded Corners 3">
+            <a:extLst>
+              <a:ext uri="{FF2B5EF4-FFF2-40B4-BE49-F238E27FC236}">
+                <a16:creationId xmlns:a16="http://schemas.microsoft.com/office/drawing/2014/main" id="{3E0030C7-8F1D-24A9-29F2-3DE0B059D3CE}"/>
+              </a:ext>
+            </a:extLst>
+          </p:cNvPr>
+          <p:cNvSpPr/>
+          <p:nvPr/>
+        </p:nvSpPr>
+        <p:spPr>
+          <a:xfrm>
+            <a:off x="10853928" y="2166176"/>
+            <a:ext cx="1170432" cy="979043"/>
+          </a:xfrm>
+          <a:prstGeom prst="roundRect">
+            <a:avLst/>
+          </a:prstGeom>
+        </p:spPr>
+        <p:style>
+          <a:lnRef idx="2">
+            <a:schemeClr val="accent2">
+              <a:shade val="15000"/>
+            </a:schemeClr>
+          </a:lnRef>
+          <a:fillRef idx="1">
+            <a:schemeClr val="accent2"/>
+          </a:fillRef>
+          <a:effectRef idx="0">
+            <a:schemeClr val="accent2"/>
+          </a:effectRef>
+          <a:fontRef idx="minor">
+            <a:schemeClr val="lt1"/>
+          </a:fontRef>
+        </p:style>
+        <p:txBody>
+          <a:bodyPr rtlCol="0" anchor="ctr"/>
+          <a:lstStyle/>
+          <a:p>
+            <a:pPr algn="ctr"/>
+            <a:r>
+              <a:rPr lang="nl-NL" sz="4400" dirty="0"/>
+              <a:t>AP</a:t>
+            </a:r>
+            <a:endParaRPr lang="nl-NL" dirty="0"/>
+          </a:p>
+        </p:txBody>
+      </p:sp>
+    </p:spTree>
+    <p:extLst>
+      <p:ext uri="{BB962C8B-B14F-4D97-AF65-F5344CB8AC3E}">
+        <p14:creationId xmlns:p14="http://schemas.microsoft.com/office/powerpoint/2010/main" val="321030020"/>
       </p:ext>
     </p:extLst>
   </p:cSld>

--- a/Design Log/DJ deck.pptx
+++ b/Design Log/DJ deck.pptx
@@ -5,7 +5,7 @@
     <p:sldMasterId id="2147483648" r:id="rId1"/>
   </p:sldMasterIdLst>
   <p:notesMasterIdLst>
-    <p:notesMasterId r:id="rId28"/>
+    <p:notesMasterId r:id="rId29"/>
   </p:notesMasterIdLst>
   <p:sldIdLst>
     <p:sldId id="256" r:id="rId2"/>
@@ -34,6 +34,7 @@
     <p:sldId id="279" r:id="rId25"/>
     <p:sldId id="280" r:id="rId26"/>
     <p:sldId id="281" r:id="rId27"/>
+    <p:sldId id="282" r:id="rId28"/>
   </p:sldIdLst>
   <p:sldSz cx="12192000" cy="6858000"/>
   <p:notesSz cx="6858000" cy="9144000"/>
@@ -222,7 +223,7 @@
           <a:p>
             <a:fld id="{F2131A79-E1C2-43E2-88BB-991A587CF34B}" type="datetimeFigureOut">
               <a:rPr lang="nl-NL" smtClean="0"/>
-              <a:t>6-5-2025</a:t>
+              <a:t>15-5-2025</a:t>
             </a:fld>
             <a:endParaRPr lang="nl-NL"/>
           </a:p>
@@ -723,7 +724,7 @@
           <a:p>
             <a:fld id="{291A462F-E04C-4E22-938A-A0EF93E33BE5}" type="datetimeFigureOut">
               <a:rPr lang="nl-NL" smtClean="0"/>
-              <a:t>6-5-2025</a:t>
+              <a:t>15-5-2025</a:t>
             </a:fld>
             <a:endParaRPr lang="nl-NL"/>
           </a:p>
@@ -923,7 +924,7 @@
           <a:p>
             <a:fld id="{291A462F-E04C-4E22-938A-A0EF93E33BE5}" type="datetimeFigureOut">
               <a:rPr lang="nl-NL" smtClean="0"/>
-              <a:t>6-5-2025</a:t>
+              <a:t>15-5-2025</a:t>
             </a:fld>
             <a:endParaRPr lang="nl-NL"/>
           </a:p>
@@ -1133,7 +1134,7 @@
           <a:p>
             <a:fld id="{291A462F-E04C-4E22-938A-A0EF93E33BE5}" type="datetimeFigureOut">
               <a:rPr lang="nl-NL" smtClean="0"/>
-              <a:t>6-5-2025</a:t>
+              <a:t>15-5-2025</a:t>
             </a:fld>
             <a:endParaRPr lang="nl-NL"/>
           </a:p>
@@ -1333,7 +1334,7 @@
           <a:p>
             <a:fld id="{291A462F-E04C-4E22-938A-A0EF93E33BE5}" type="datetimeFigureOut">
               <a:rPr lang="nl-NL" smtClean="0"/>
-              <a:t>6-5-2025</a:t>
+              <a:t>15-5-2025</a:t>
             </a:fld>
             <a:endParaRPr lang="nl-NL"/>
           </a:p>
@@ -1609,7 +1610,7 @@
           <a:p>
             <a:fld id="{291A462F-E04C-4E22-938A-A0EF93E33BE5}" type="datetimeFigureOut">
               <a:rPr lang="nl-NL" smtClean="0"/>
-              <a:t>6-5-2025</a:t>
+              <a:t>15-5-2025</a:t>
             </a:fld>
             <a:endParaRPr lang="nl-NL"/>
           </a:p>
@@ -1877,7 +1878,7 @@
           <a:p>
             <a:fld id="{291A462F-E04C-4E22-938A-A0EF93E33BE5}" type="datetimeFigureOut">
               <a:rPr lang="nl-NL" smtClean="0"/>
-              <a:t>6-5-2025</a:t>
+              <a:t>15-5-2025</a:t>
             </a:fld>
             <a:endParaRPr lang="nl-NL"/>
           </a:p>
@@ -2292,7 +2293,7 @@
           <a:p>
             <a:fld id="{291A462F-E04C-4E22-938A-A0EF93E33BE5}" type="datetimeFigureOut">
               <a:rPr lang="nl-NL" smtClean="0"/>
-              <a:t>6-5-2025</a:t>
+              <a:t>15-5-2025</a:t>
             </a:fld>
             <a:endParaRPr lang="nl-NL"/>
           </a:p>
@@ -2434,7 +2435,7 @@
           <a:p>
             <a:fld id="{291A462F-E04C-4E22-938A-A0EF93E33BE5}" type="datetimeFigureOut">
               <a:rPr lang="nl-NL" smtClean="0"/>
-              <a:t>6-5-2025</a:t>
+              <a:t>15-5-2025</a:t>
             </a:fld>
             <a:endParaRPr lang="nl-NL"/>
           </a:p>
@@ -2547,7 +2548,7 @@
           <a:p>
             <a:fld id="{291A462F-E04C-4E22-938A-A0EF93E33BE5}" type="datetimeFigureOut">
               <a:rPr lang="nl-NL" smtClean="0"/>
-              <a:t>6-5-2025</a:t>
+              <a:t>15-5-2025</a:t>
             </a:fld>
             <a:endParaRPr lang="nl-NL"/>
           </a:p>
@@ -2860,7 +2861,7 @@
           <a:p>
             <a:fld id="{291A462F-E04C-4E22-938A-A0EF93E33BE5}" type="datetimeFigureOut">
               <a:rPr lang="nl-NL" smtClean="0"/>
-              <a:t>6-5-2025</a:t>
+              <a:t>15-5-2025</a:t>
             </a:fld>
             <a:endParaRPr lang="nl-NL"/>
           </a:p>
@@ -3149,7 +3150,7 @@
           <a:p>
             <a:fld id="{291A462F-E04C-4E22-938A-A0EF93E33BE5}" type="datetimeFigureOut">
               <a:rPr lang="nl-NL" smtClean="0"/>
-              <a:t>6-5-2025</a:t>
+              <a:t>15-5-2025</a:t>
             </a:fld>
             <a:endParaRPr lang="nl-NL"/>
           </a:p>
@@ -3392,7 +3393,7 @@
           <a:p>
             <a:fld id="{291A462F-E04C-4E22-938A-A0EF93E33BE5}" type="datetimeFigureOut">
               <a:rPr lang="nl-NL" smtClean="0"/>
-              <a:t>6-5-2025</a:t>
+              <a:t>15-5-2025</a:t>
             </a:fld>
             <a:endParaRPr lang="nl-NL"/>
           </a:p>
@@ -12872,6 +12873,321 @@
     <p:extLst>
       <p:ext uri="{BB962C8B-B14F-4D97-AF65-F5344CB8AC3E}">
         <p14:creationId xmlns:p14="http://schemas.microsoft.com/office/powerpoint/2010/main" val="321030020"/>
+      </p:ext>
+    </p:extLst>
+  </p:cSld>
+  <p:clrMapOvr>
+    <a:masterClrMapping/>
+  </p:clrMapOvr>
+</p:sld>
+</file>
+
+<file path=ppt/slides/slide27.xml><?xml version="1.0" encoding="utf-8"?>
+<p:sld xmlns:a="http://schemas.openxmlformats.org/drawingml/2006/main" xmlns:r="http://schemas.openxmlformats.org/officeDocument/2006/relationships" xmlns:p="http://schemas.openxmlformats.org/presentationml/2006/main">
+  <p:cSld>
+    <p:spTree>
+      <p:nvGrpSpPr>
+        <p:cNvPr id="1" name=""/>
+        <p:cNvGrpSpPr/>
+        <p:nvPr/>
+      </p:nvGrpSpPr>
+      <p:grpSpPr>
+        <a:xfrm>
+          <a:off x="0" y="0"/>
+          <a:ext cx="0" cy="0"/>
+          <a:chOff x="0" y="0"/>
+          <a:chExt cx="0" cy="0"/>
+        </a:xfrm>
+      </p:grpSpPr>
+      <p:sp>
+        <p:nvSpPr>
+          <p:cNvPr id="2" name="Title 1">
+            <a:extLst>
+              <a:ext uri="{FF2B5EF4-FFF2-40B4-BE49-F238E27FC236}">
+                <a16:creationId xmlns:a16="http://schemas.microsoft.com/office/drawing/2014/main" id="{A3FE599D-9366-26C9-F70F-31B8CB2C7FCD}"/>
+              </a:ext>
+            </a:extLst>
+          </p:cNvPr>
+          <p:cNvSpPr>
+            <a:spLocks noGrp="1"/>
+          </p:cNvSpPr>
+          <p:nvPr>
+            <p:ph type="title"/>
+          </p:nvPr>
+        </p:nvSpPr>
+        <p:spPr/>
+        <p:txBody>
+          <a:bodyPr/>
+          <a:lstStyle/>
+          <a:p>
+            <a:r>
+              <a:rPr lang="nl-NL" dirty="0"/>
+              <a:t>Nice </a:t>
+            </a:r>
+            <a:r>
+              <a:rPr lang="nl-NL" dirty="0" err="1"/>
+              <a:t>to</a:t>
+            </a:r>
+            <a:r>
+              <a:rPr lang="nl-NL" dirty="0"/>
+              <a:t> </a:t>
+            </a:r>
+            <a:r>
+              <a:rPr lang="nl-NL" dirty="0" err="1"/>
+              <a:t>haves</a:t>
+            </a:r>
+            <a:endParaRPr lang="nl-NL" dirty="0"/>
+          </a:p>
+        </p:txBody>
+      </p:sp>
+      <p:sp>
+        <p:nvSpPr>
+          <p:cNvPr id="3" name="Content Placeholder 2">
+            <a:extLst>
+              <a:ext uri="{FF2B5EF4-FFF2-40B4-BE49-F238E27FC236}">
+                <a16:creationId xmlns:a16="http://schemas.microsoft.com/office/drawing/2014/main" id="{D5AEAB72-C9FA-3AE3-0188-3EC4AEC9B194}"/>
+              </a:ext>
+            </a:extLst>
+          </p:cNvPr>
+          <p:cNvSpPr>
+            <a:spLocks noGrp="1"/>
+          </p:cNvSpPr>
+          <p:nvPr>
+            <p:ph idx="1"/>
+          </p:nvPr>
+        </p:nvSpPr>
+        <p:spPr/>
+        <p:txBody>
+          <a:bodyPr/>
+          <a:lstStyle/>
+          <a:p>
+            <a:r>
+              <a:rPr lang="nl-NL" dirty="0" err="1"/>
+              <a:t>scratchTrig</a:t>
+            </a:r>
+            <a:r>
+              <a:rPr lang="nl-NL" dirty="0"/>
+              <a:t>, </a:t>
+            </a:r>
+            <a:r>
+              <a:rPr lang="nl-NL" dirty="0" err="1"/>
+              <a:t>and</a:t>
+            </a:r>
+            <a:r>
+              <a:rPr lang="nl-NL" dirty="0"/>
+              <a:t> </a:t>
+            </a:r>
+            <a:r>
+              <a:rPr lang="nl-NL" dirty="0" err="1"/>
+              <a:t>scratchTarget</a:t>
+            </a:r>
+            <a:r>
+              <a:rPr lang="nl-NL" dirty="0"/>
+              <a:t> are </a:t>
+            </a:r>
+            <a:r>
+              <a:rPr lang="nl-NL" dirty="0" err="1"/>
+              <a:t>processed</a:t>
+            </a:r>
+            <a:r>
+              <a:rPr lang="nl-NL" dirty="0"/>
+              <a:t> in audio </a:t>
+            </a:r>
+            <a:r>
+              <a:rPr lang="nl-NL" dirty="0" err="1"/>
+              <a:t>rate</a:t>
+            </a:r>
+            <a:endParaRPr lang="nl-NL" dirty="0"/>
+          </a:p>
+          <a:p>
+            <a:r>
+              <a:rPr lang="nl-NL" dirty="0" err="1"/>
+              <a:t>If</a:t>
+            </a:r>
+            <a:r>
+              <a:rPr lang="nl-NL" dirty="0"/>
+              <a:t> track is double speed, load at double speed</a:t>
+            </a:r>
+          </a:p>
+          <a:p>
+            <a:r>
+              <a:rPr lang="nl-NL" dirty="0" err="1"/>
+              <a:t>MidiButton</a:t>
+            </a:r>
+            <a:r>
+              <a:rPr lang="nl-NL" dirty="0"/>
+              <a:t>([2, 12, ~</a:t>
+            </a:r>
+            <a:r>
+              <a:rPr lang="nl-NL" dirty="0" err="1"/>
+              <a:t>mXone</a:t>
+            </a:r>
+            <a:r>
+              <a:rPr lang="nl-NL" dirty="0"/>
+              <a:t>], </a:t>
+            </a:r>
+            <a:r>
+              <a:rPr lang="nl-NL" dirty="0" err="1"/>
+              <a:t>BoolLangControllerTarget</a:t>
+            </a:r>
+            <a:r>
+              <a:rPr lang="nl-NL" dirty="0"/>
+              <a:t>(~deck1, \</a:t>
+            </a:r>
+            <a:r>
+              <a:rPr lang="nl-NL" dirty="0" err="1"/>
+              <a:t>userInducedGridOffsetSetpoint</a:t>
+            </a:r>
+            <a:r>
+              <a:rPr lang="nl-NL" dirty="0"/>
+              <a:t>), mode: \direct); // TODO test </a:t>
+            </a:r>
+            <a:r>
+              <a:rPr lang="nl-NL" dirty="0" err="1"/>
+              <a:t>and</a:t>
+            </a:r>
+            <a:r>
+              <a:rPr lang="nl-NL" dirty="0"/>
+              <a:t> </a:t>
+            </a:r>
+            <a:r>
+              <a:rPr lang="nl-NL" dirty="0" err="1"/>
+              <a:t>add</a:t>
+            </a:r>
+            <a:r>
+              <a:rPr lang="nl-NL" dirty="0"/>
+              <a:t> </a:t>
+            </a:r>
+            <a:r>
+              <a:rPr lang="nl-NL" dirty="0" err="1"/>
+              <a:t>for</a:t>
+            </a:r>
+            <a:r>
+              <a:rPr lang="nl-NL" dirty="0"/>
+              <a:t> </a:t>
+            </a:r>
+            <a:r>
+              <a:rPr lang="nl-NL" dirty="0" err="1"/>
+              <a:t>other</a:t>
+            </a:r>
+            <a:r>
+              <a:rPr lang="nl-NL" dirty="0"/>
+              <a:t> decks ("</a:t>
+            </a:r>
+            <a:r>
+              <a:rPr lang="nl-NL" dirty="0" err="1"/>
+              <a:t>adjust</a:t>
+            </a:r>
+            <a:r>
+              <a:rPr lang="nl-NL" dirty="0"/>
+              <a:t>" button, next </a:t>
+            </a:r>
+            <a:r>
+              <a:rPr lang="nl-NL" dirty="0" err="1"/>
+              <a:t>to</a:t>
+            </a:r>
+            <a:r>
+              <a:rPr lang="nl-NL" dirty="0"/>
+              <a:t> sync); change </a:t>
+            </a:r>
+            <a:r>
+              <a:rPr lang="nl-NL" dirty="0" err="1"/>
+              <a:t>to</a:t>
+            </a:r>
+            <a:r>
+              <a:rPr lang="nl-NL" dirty="0"/>
+              <a:t> </a:t>
+            </a:r>
+            <a:r>
+              <a:rPr lang="nl-NL" dirty="0" err="1"/>
+              <a:t>LangLangTarget</a:t>
+            </a:r>
+            <a:endParaRPr lang="nl-NL" dirty="0"/>
+          </a:p>
+          <a:p>
+            <a:r>
+              <a:rPr lang="nl-NL" dirty="0" err="1"/>
+              <a:t>Rewrite</a:t>
+            </a:r>
+            <a:r>
+              <a:rPr lang="nl-NL" dirty="0"/>
+              <a:t> </a:t>
+            </a:r>
+            <a:r>
+              <a:rPr lang="nl-NL" b="0" dirty="0" err="1">
+                <a:solidFill>
+                  <a:srgbClr val="DCDCAA"/>
+                </a:solidFill>
+                <a:effectLst/>
+                <a:latin typeface="Consolas" panose="020B0609020204030204" pitchFamily="49" charset="0"/>
+              </a:rPr>
+              <a:t>beatJumpQuantized</a:t>
+            </a:r>
+            <a:r>
+              <a:rPr lang="nl-NL" b="0" dirty="0">
+                <a:solidFill>
+                  <a:srgbClr val="CCCCCC"/>
+                </a:solidFill>
+                <a:effectLst/>
+                <a:latin typeface="Consolas" panose="020B0609020204030204" pitchFamily="49" charset="0"/>
+              </a:rPr>
+              <a:t> </a:t>
+            </a:r>
+            <a:r>
+              <a:rPr lang="nl-NL" dirty="0" err="1"/>
+              <a:t>such</a:t>
+            </a:r>
+            <a:r>
+              <a:rPr lang="nl-NL" dirty="0"/>
+              <a:t> </a:t>
+            </a:r>
+            <a:r>
+              <a:rPr lang="nl-NL" dirty="0" err="1"/>
+              <a:t>that</a:t>
+            </a:r>
+            <a:r>
+              <a:rPr lang="nl-NL" dirty="0"/>
+              <a:t> beat </a:t>
+            </a:r>
+            <a:r>
+              <a:rPr lang="nl-NL" dirty="0" err="1"/>
+              <a:t>and</a:t>
+            </a:r>
+            <a:r>
+              <a:rPr lang="nl-NL" dirty="0"/>
+              <a:t> q are no </a:t>
+            </a:r>
+            <a:r>
+              <a:rPr lang="nl-NL" dirty="0" err="1"/>
+              <a:t>longer</a:t>
+            </a:r>
+            <a:r>
+              <a:rPr lang="nl-NL" dirty="0"/>
+              <a:t> </a:t>
+            </a:r>
+            <a:r>
+              <a:rPr lang="nl-NL" dirty="0" err="1"/>
+              <a:t>used</a:t>
+            </a:r>
+            <a:r>
+              <a:rPr lang="nl-NL" dirty="0"/>
+              <a:t> </a:t>
+            </a:r>
+            <a:r>
+              <a:rPr lang="nl-NL" dirty="0" err="1"/>
+              <a:t>confusingly</a:t>
+            </a:r>
+            <a:endParaRPr lang="nl-NL" dirty="0"/>
+          </a:p>
+          <a:p>
+            <a:endParaRPr lang="nl-NL" dirty="0"/>
+          </a:p>
+        </p:txBody>
+      </p:sp>
+    </p:spTree>
+    <p:extLst>
+      <p:ext uri="{BB962C8B-B14F-4D97-AF65-F5344CB8AC3E}">
+        <p14:creationId xmlns:p14="http://schemas.microsoft.com/office/powerpoint/2010/main" val="349033991"/>
       </p:ext>
     </p:extLst>
   </p:cSld>
